--- a/work_flow.pptx
+++ b/work_flow.pptx
@@ -211,7 +211,7 @@
           <a:p>
             <a:fld id="{C5AD3758-BF53-E549-B497-E10A6679F0E9}" type="datetimeFigureOut">
               <a:rPr kumimoji="1" lang="ja-JP" altLang="en-US" smtClean="0"/>
-              <a:t>2022/1/19</a:t>
+              <a:t>2022/4/22</a:t>
             </a:fld>
             <a:endParaRPr kumimoji="1" lang="ja-JP" altLang="en-US"/>
           </a:p>
@@ -657,7 +657,7 @@
           <a:p>
             <a:fld id="{AD2FFDA9-C1D6-8C4A-8EA3-B1CC6616B102}" type="datetime1">
               <a:rPr kumimoji="1" lang="ja-JP" altLang="en-US" smtClean="0"/>
-              <a:t>2022/1/19</a:t>
+              <a:t>2022/4/22</a:t>
             </a:fld>
             <a:endParaRPr kumimoji="1" lang="ja-JP" altLang="en-US"/>
           </a:p>
@@ -926,7 +926,7 @@
           <a:p>
             <a:fld id="{C0112536-4D7D-4441-8337-0AE8BACED704}" type="datetime1">
               <a:rPr kumimoji="1" lang="ja-JP" altLang="en-US" smtClean="0"/>
-              <a:t>2022/1/19</a:t>
+              <a:t>2022/4/22</a:t>
             </a:fld>
             <a:endParaRPr kumimoji="1" lang="ja-JP" altLang="en-US"/>
           </a:p>
@@ -1166,7 +1166,7 @@
           <a:p>
             <a:fld id="{2DC3EA7A-BC3D-6E4F-95CC-D5140C62C3D0}" type="datetime1">
               <a:rPr kumimoji="1" lang="ja-JP" altLang="en-US" smtClean="0"/>
-              <a:t>2022/1/19</a:t>
+              <a:t>2022/4/22</a:t>
             </a:fld>
             <a:endParaRPr kumimoji="1" lang="ja-JP" altLang="en-US"/>
           </a:p>
@@ -1433,7 +1433,7 @@
           <a:p>
             <a:fld id="{ABB5F874-89ED-694C-A42A-544AE64C3086}" type="datetime1">
               <a:rPr kumimoji="1" lang="ja-JP" altLang="en-US" smtClean="0"/>
-              <a:t>2022/1/19</a:t>
+              <a:t>2022/4/22</a:t>
             </a:fld>
             <a:endParaRPr kumimoji="1" lang="ja-JP" altLang="en-US"/>
           </a:p>
@@ -1751,7 +1751,7 @@
           <a:p>
             <a:fld id="{C54ADFF0-5625-AF4E-9657-FC7652181306}" type="datetime1">
               <a:rPr kumimoji="1" lang="ja-JP" altLang="en-US" smtClean="0"/>
-              <a:t>2022/1/19</a:t>
+              <a:t>2022/4/22</a:t>
             </a:fld>
             <a:endParaRPr kumimoji="1" lang="ja-JP" altLang="en-US"/>
           </a:p>
@@ -2080,7 +2080,7 @@
           <a:p>
             <a:fld id="{E6C99080-F002-3744-81CC-0145443A1BAE}" type="datetime1">
               <a:rPr kumimoji="1" lang="ja-JP" altLang="en-US" smtClean="0"/>
-              <a:t>2022/1/19</a:t>
+              <a:t>2022/4/22</a:t>
             </a:fld>
             <a:endParaRPr kumimoji="1" lang="ja-JP" altLang="en-US"/>
           </a:p>
@@ -2556,7 +2556,7 @@
           <a:p>
             <a:fld id="{53BEFCFE-2B90-FF45-B237-2F8D924F0CD8}" type="datetime1">
               <a:rPr kumimoji="1" lang="ja-JP" altLang="en-US" smtClean="0"/>
-              <a:t>2022/1/19</a:t>
+              <a:t>2022/4/22</a:t>
             </a:fld>
             <a:endParaRPr kumimoji="1" lang="ja-JP" altLang="en-US"/>
           </a:p>
@@ -2697,7 +2697,7 @@
           <a:p>
             <a:fld id="{CAFE1480-030A-2943-A645-D0C73CAF1676}" type="datetime1">
               <a:rPr kumimoji="1" lang="ja-JP" altLang="en-US" smtClean="0"/>
-              <a:t>2022/1/19</a:t>
+              <a:t>2022/4/22</a:t>
             </a:fld>
             <a:endParaRPr kumimoji="1" lang="ja-JP" altLang="en-US"/>
           </a:p>
@@ -2810,7 +2810,7 @@
           <a:p>
             <a:fld id="{A5F5675D-6A7C-2140-AD7A-9E2800AB8E50}" type="datetime1">
               <a:rPr kumimoji="1" lang="ja-JP" altLang="en-US" smtClean="0"/>
-              <a:t>2022/1/19</a:t>
+              <a:t>2022/4/22</a:t>
             </a:fld>
             <a:endParaRPr kumimoji="1" lang="ja-JP" altLang="en-US"/>
           </a:p>
@@ -3153,7 +3153,7 @@
           <a:p>
             <a:fld id="{3056B15D-EF82-8A43-97F9-EACF7A168BF8}" type="datetime1">
               <a:rPr kumimoji="1" lang="ja-JP" altLang="en-US" smtClean="0"/>
-              <a:t>2022/1/19</a:t>
+              <a:t>2022/4/22</a:t>
             </a:fld>
             <a:endParaRPr kumimoji="1" lang="ja-JP" altLang="en-US"/>
           </a:p>
@@ -3444,7 +3444,7 @@
           <a:p>
             <a:fld id="{EDE06B0E-E0F2-9B45-86F5-89D85DAC82B7}" type="datetime1">
               <a:rPr kumimoji="1" lang="ja-JP" altLang="en-US" smtClean="0"/>
-              <a:t>2022/1/19</a:t>
+              <a:t>2022/4/22</a:t>
             </a:fld>
             <a:endParaRPr kumimoji="1" lang="ja-JP" altLang="en-US"/>
           </a:p>
@@ -3717,7 +3717,7 @@
           <a:p>
             <a:fld id="{8A1494DC-7B7C-4F43-A59F-4DDC4458B10D}" type="datetime1">
               <a:rPr kumimoji="1" lang="ja-JP" altLang="en-US" smtClean="0"/>
-              <a:t>2022/1/19</a:t>
+              <a:t>2022/4/22</a:t>
             </a:fld>
             <a:endParaRPr kumimoji="1" lang="ja-JP" altLang="en-US"/>
           </a:p>
@@ -5004,7 +5004,7 @@
             </a:r>
             <a:r>
               <a:rPr kumimoji="1" lang="ja-JP" altLang="en-US"/>
-              <a:t>の後を変えて選択可</a:t>
+              <a:t>の後を変えて選択可能</a:t>
             </a:r>
             <a:endParaRPr kumimoji="1" lang="en-US" altLang="ja-JP" dirty="0"/>
           </a:p>
